--- a/powerpoint/5_sbatch.pptx
+++ b/powerpoint/5_sbatch.pptx
@@ -10,6 +10,7 @@
     <p:sldId id="325" r:id="rId4"/>
     <p:sldId id="314" r:id="rId5"/>
     <p:sldId id="322" r:id="rId6"/>
+    <p:sldId id="265" r:id="rId7"/>
   </p:sldIdLst>
   <p:sldSz cx="12192000" cy="6858000"/>
   <p:notesSz cx="6858000" cy="9144000"/>
@@ -265,7 +266,7 @@
           <a:p>
             <a:fld id="{C47C7284-A6CB-4DDC-9758-16B7E815B14E}" type="datetimeFigureOut">
               <a:rPr lang="en-GB" smtClean="0"/>
-              <a:t>21/09/2022</a:t>
+              <a:t>08/02/2023</a:t>
             </a:fld>
             <a:endParaRPr lang="en-GB"/>
           </a:p>
@@ -465,7 +466,7 @@
           <a:p>
             <a:fld id="{C47C7284-A6CB-4DDC-9758-16B7E815B14E}" type="datetimeFigureOut">
               <a:rPr lang="en-GB" smtClean="0"/>
-              <a:t>21/09/2022</a:t>
+              <a:t>08/02/2023</a:t>
             </a:fld>
             <a:endParaRPr lang="en-GB"/>
           </a:p>
@@ -675,7 +676,7 @@
           <a:p>
             <a:fld id="{C47C7284-A6CB-4DDC-9758-16B7E815B14E}" type="datetimeFigureOut">
               <a:rPr lang="en-GB" smtClean="0"/>
-              <a:t>21/09/2022</a:t>
+              <a:t>08/02/2023</a:t>
             </a:fld>
             <a:endParaRPr lang="en-GB"/>
           </a:p>
@@ -875,7 +876,7 @@
           <a:p>
             <a:fld id="{C47C7284-A6CB-4DDC-9758-16B7E815B14E}" type="datetimeFigureOut">
               <a:rPr lang="en-GB" smtClean="0"/>
-              <a:t>21/09/2022</a:t>
+              <a:t>08/02/2023</a:t>
             </a:fld>
             <a:endParaRPr lang="en-GB"/>
           </a:p>
@@ -1151,7 +1152,7 @@
           <a:p>
             <a:fld id="{C47C7284-A6CB-4DDC-9758-16B7E815B14E}" type="datetimeFigureOut">
               <a:rPr lang="en-GB" smtClean="0"/>
-              <a:t>21/09/2022</a:t>
+              <a:t>08/02/2023</a:t>
             </a:fld>
             <a:endParaRPr lang="en-GB"/>
           </a:p>
@@ -1419,7 +1420,7 @@
           <a:p>
             <a:fld id="{C47C7284-A6CB-4DDC-9758-16B7E815B14E}" type="datetimeFigureOut">
               <a:rPr lang="en-GB" smtClean="0"/>
-              <a:t>21/09/2022</a:t>
+              <a:t>08/02/2023</a:t>
             </a:fld>
             <a:endParaRPr lang="en-GB"/>
           </a:p>
@@ -1834,7 +1835,7 @@
           <a:p>
             <a:fld id="{C47C7284-A6CB-4DDC-9758-16B7E815B14E}" type="datetimeFigureOut">
               <a:rPr lang="en-GB" smtClean="0"/>
-              <a:t>21/09/2022</a:t>
+              <a:t>08/02/2023</a:t>
             </a:fld>
             <a:endParaRPr lang="en-GB"/>
           </a:p>
@@ -1976,7 +1977,7 @@
           <a:p>
             <a:fld id="{C47C7284-A6CB-4DDC-9758-16B7E815B14E}" type="datetimeFigureOut">
               <a:rPr lang="en-GB" smtClean="0"/>
-              <a:t>21/09/2022</a:t>
+              <a:t>08/02/2023</a:t>
             </a:fld>
             <a:endParaRPr lang="en-GB"/>
           </a:p>
@@ -2089,7 +2090,7 @@
           <a:p>
             <a:fld id="{C47C7284-A6CB-4DDC-9758-16B7E815B14E}" type="datetimeFigureOut">
               <a:rPr lang="en-GB" smtClean="0"/>
-              <a:t>21/09/2022</a:t>
+              <a:t>08/02/2023</a:t>
             </a:fld>
             <a:endParaRPr lang="en-GB"/>
           </a:p>
@@ -2402,7 +2403,7 @@
           <a:p>
             <a:fld id="{C47C7284-A6CB-4DDC-9758-16B7E815B14E}" type="datetimeFigureOut">
               <a:rPr lang="en-GB" smtClean="0"/>
-              <a:t>21/09/2022</a:t>
+              <a:t>08/02/2023</a:t>
             </a:fld>
             <a:endParaRPr lang="en-GB"/>
           </a:p>
@@ -2691,7 +2692,7 @@
           <a:p>
             <a:fld id="{C47C7284-A6CB-4DDC-9758-16B7E815B14E}" type="datetimeFigureOut">
               <a:rPr lang="en-GB" smtClean="0"/>
-              <a:t>21/09/2022</a:t>
+              <a:t>08/02/2023</a:t>
             </a:fld>
             <a:endParaRPr lang="en-GB"/>
           </a:p>
@@ -2934,7 +2935,7 @@
           <a:p>
             <a:fld id="{C47C7284-A6CB-4DDC-9758-16B7E815B14E}" type="datetimeFigureOut">
               <a:rPr lang="en-GB" smtClean="0"/>
-              <a:t>21/09/2022</a:t>
+              <a:t>08/02/2023</a:t>
             </a:fld>
             <a:endParaRPr lang="en-GB"/>
           </a:p>
@@ -3728,7 +3729,7 @@
                   <a:srgbClr val="7030A0"/>
                 </a:solidFill>
               </a:rPr>
-              <a:t>qsub</a:t>
+              <a:t>sbatch</a:t>
             </a:r>
             <a:r>
               <a:rPr lang="en-GB" dirty="0">
@@ -3744,7 +3745,7 @@
                   <a:srgbClr val="7030A0"/>
                 </a:solidFill>
               </a:rPr>
-              <a:t>qsub</a:t>
+              <a:t>sbatch</a:t>
             </a:r>
             <a:r>
               <a:rPr lang="en-GB" dirty="0">
@@ -5047,6 +5048,246 @@
     <p:extLst>
       <p:ext uri="{BB962C8B-B14F-4D97-AF65-F5344CB8AC3E}">
         <p14:creationId xmlns:p14="http://schemas.microsoft.com/office/powerpoint/2010/main" val="88670009"/>
+      </p:ext>
+    </p:extLst>
+  </p:cSld>
+  <p:clrMapOvr>
+    <a:masterClrMapping/>
+  </p:clrMapOvr>
+</p:sld>
+</file>
+
+<file path=ppt/slides/slide6.xml><?xml version="1.0" encoding="utf-8"?>
+<p:sld xmlns:a="http://schemas.openxmlformats.org/drawingml/2006/main" xmlns:r="http://schemas.openxmlformats.org/officeDocument/2006/relationships" xmlns:p="http://schemas.openxmlformats.org/presentationml/2006/main">
+  <p:cSld>
+    <p:spTree>
+      <p:nvGrpSpPr>
+        <p:cNvPr id="1" name=""/>
+        <p:cNvGrpSpPr/>
+        <p:nvPr/>
+      </p:nvGrpSpPr>
+      <p:grpSpPr>
+        <a:xfrm>
+          <a:off x="0" y="0"/>
+          <a:ext cx="0" cy="0"/>
+          <a:chOff x="0" y="0"/>
+          <a:chExt cx="0" cy="0"/>
+        </a:xfrm>
+      </p:grpSpPr>
+      <p:sp>
+        <p:nvSpPr>
+          <p:cNvPr id="2" name="Title 1">
+            <a:extLst>
+              <a:ext uri="{FF2B5EF4-FFF2-40B4-BE49-F238E27FC236}">
+                <a16:creationId xmlns:a16="http://schemas.microsoft.com/office/drawing/2014/main" id="{CC503983-7100-46AB-946B-1F471F7B457B}"/>
+              </a:ext>
+            </a:extLst>
+          </p:cNvPr>
+          <p:cNvSpPr>
+            <a:spLocks noGrp="1"/>
+          </p:cNvSpPr>
+          <p:nvPr>
+            <p:ph type="title"/>
+          </p:nvPr>
+        </p:nvSpPr>
+        <p:spPr/>
+        <p:txBody>
+          <a:bodyPr/>
+          <a:lstStyle/>
+          <a:p>
+            <a:r>
+              <a:rPr lang="en-GB" dirty="0"/>
+              <a:t>1 thread job and email me!</a:t>
+            </a:r>
+          </a:p>
+        </p:txBody>
+      </p:sp>
+      <p:sp>
+        <p:nvSpPr>
+          <p:cNvPr id="3" name="Content Placeholder 2">
+            <a:extLst>
+              <a:ext uri="{FF2B5EF4-FFF2-40B4-BE49-F238E27FC236}">
+                <a16:creationId xmlns:a16="http://schemas.microsoft.com/office/drawing/2014/main" id="{2ECD66E5-30EF-411A-8AA1-913F988E52DD}"/>
+              </a:ext>
+            </a:extLst>
+          </p:cNvPr>
+          <p:cNvSpPr>
+            <a:spLocks noGrp="1"/>
+          </p:cNvSpPr>
+          <p:nvPr>
+            <p:ph idx="1"/>
+          </p:nvPr>
+        </p:nvSpPr>
+        <p:spPr/>
+        <p:txBody>
+          <a:bodyPr/>
+          <a:lstStyle/>
+          <a:p>
+            <a:pPr marL="0" indent="0">
+              <a:buNone/>
+            </a:pPr>
+            <a:r>
+              <a:rPr lang="en-GB" dirty="0"/>
+              <a:t>#!/bin/bash -l</a:t>
+            </a:r>
+          </a:p>
+          <a:p>
+            <a:pPr marL="0" indent="0">
+              <a:buNone/>
+            </a:pPr>
+            <a:r>
+              <a:rPr lang="en-GB" dirty="0"/>
+              <a:t>#SBATCH -J </a:t>
+            </a:r>
+            <a:r>
+              <a:rPr lang="en-GB" dirty="0" err="1"/>
+              <a:t>conda_test</a:t>
+            </a:r>
+            <a:r>
+              <a:rPr lang="en-GB" dirty="0"/>
+              <a:t>   #jobname</a:t>
+            </a:r>
+          </a:p>
+          <a:p>
+            <a:pPr marL="0" indent="0">
+              <a:buNone/>
+            </a:pPr>
+            <a:r>
+              <a:rPr lang="en-GB" dirty="0"/>
+              <a:t>#SBATCH -N 1     #node</a:t>
+            </a:r>
+          </a:p>
+          <a:p>
+            <a:pPr marL="0" indent="0">
+              <a:buNone/>
+            </a:pPr>
+            <a:r>
+              <a:rPr lang="en-GB" dirty="0"/>
+              <a:t>#SBATCH --tasks-per-node=1</a:t>
+            </a:r>
+          </a:p>
+          <a:p>
+            <a:pPr marL="0" indent="0">
+              <a:buNone/>
+            </a:pPr>
+            <a:r>
+              <a:rPr lang="en-GB" dirty="0"/>
+              <a:t>#SBATCH -p </a:t>
+            </a:r>
+            <a:r>
+              <a:rPr lang="en-GB" dirty="0" err="1"/>
+              <a:t>bigmem</a:t>
+            </a:r>
+            <a:endParaRPr lang="en-GB" dirty="0"/>
+          </a:p>
+          <a:p>
+            <a:pPr marL="0" indent="0">
+              <a:buNone/>
+            </a:pPr>
+            <a:r>
+              <a:rPr lang="en-GB" dirty="0"/>
+              <a:t>#SBATCH --mail-type=ALL</a:t>
+            </a:r>
+          </a:p>
+          <a:p>
+            <a:pPr marL="0" indent="0">
+              <a:buNone/>
+            </a:pPr>
+            <a:r>
+              <a:rPr lang="en-GB" dirty="0"/>
+              <a:t>#SBATCH --mail-user=$USER@st-andrews.ac.uk</a:t>
+            </a:r>
+          </a:p>
+          <a:p>
+            <a:pPr marL="0" indent="0">
+              <a:buNone/>
+            </a:pPr>
+            <a:endParaRPr lang="en-GB" dirty="0"/>
+          </a:p>
+        </p:txBody>
+      </p:sp>
+      <p:cxnSp>
+        <p:nvCxnSpPr>
+          <p:cNvPr id="5" name="Straight Arrow Connector 4">
+            <a:extLst>
+              <a:ext uri="{FF2B5EF4-FFF2-40B4-BE49-F238E27FC236}">
+                <a16:creationId xmlns:a16="http://schemas.microsoft.com/office/drawing/2014/main" id="{53B91CC6-1569-4B46-9319-F0D0958B2E5D}"/>
+              </a:ext>
+            </a:extLst>
+          </p:cNvPr>
+          <p:cNvCxnSpPr/>
+          <p:nvPr/>
+        </p:nvCxnSpPr>
+        <p:spPr>
+          <a:xfrm flipH="1">
+            <a:off x="3369365" y="2027583"/>
+            <a:ext cx="596348" cy="0"/>
+          </a:xfrm>
+          <a:prstGeom prst="straightConnector1">
+            <a:avLst/>
+          </a:prstGeom>
+          <a:ln>
+            <a:tailEnd type="triangle"/>
+          </a:ln>
+        </p:spPr>
+        <p:style>
+          <a:lnRef idx="1">
+            <a:schemeClr val="accent1"/>
+          </a:lnRef>
+          <a:fillRef idx="0">
+            <a:schemeClr val="accent1"/>
+          </a:fillRef>
+          <a:effectRef idx="0">
+            <a:schemeClr val="accent1"/>
+          </a:effectRef>
+          <a:fontRef idx="minor">
+            <a:schemeClr val="tx1"/>
+          </a:fontRef>
+        </p:style>
+      </p:cxnSp>
+      <p:sp>
+        <p:nvSpPr>
+          <p:cNvPr id="6" name="TextBox 5">
+            <a:extLst>
+              <a:ext uri="{FF2B5EF4-FFF2-40B4-BE49-F238E27FC236}">
+                <a16:creationId xmlns:a16="http://schemas.microsoft.com/office/drawing/2014/main" id="{0B138D42-1CA3-4B1F-AF1B-C92A7F0A2000}"/>
+              </a:ext>
+            </a:extLst>
+          </p:cNvPr>
+          <p:cNvSpPr txBox="1"/>
+          <p:nvPr/>
+        </p:nvSpPr>
+        <p:spPr>
+          <a:xfrm>
+            <a:off x="4422913" y="1825625"/>
+            <a:ext cx="4800600" cy="369332"/>
+          </a:xfrm>
+          <a:prstGeom prst="rect">
+            <a:avLst/>
+          </a:prstGeom>
+          <a:noFill/>
+        </p:spPr>
+        <p:txBody>
+          <a:bodyPr wrap="square" rtlCol="0">
+            <a:spAutoFit/>
+          </a:bodyPr>
+          <a:lstStyle/>
+          <a:p>
+            <a:r>
+              <a:rPr lang="en-GB" dirty="0">
+                <a:solidFill>
+                  <a:srgbClr val="FF0000"/>
+                </a:solidFill>
+              </a:rPr>
+              <a:t>Note: this line is essential for shell scripts now!!</a:t>
+            </a:r>
+          </a:p>
+        </p:txBody>
+      </p:sp>
+    </p:spTree>
+    <p:extLst>
+      <p:ext uri="{BB962C8B-B14F-4D97-AF65-F5344CB8AC3E}">
+        <p14:creationId xmlns:p14="http://schemas.microsoft.com/office/powerpoint/2010/main" val="324461036"/>
       </p:ext>
     </p:extLst>
   </p:cSld>
